--- a/论文相关/PPT/毕业论文组会.pptx
+++ b/论文相关/PPT/毕业论文组会.pptx
@@ -3537,6 +3537,2123 @@
           </a:p>
         </p:txBody>
       </p:sp>
+      <p:sp>
+        <p:nvSpPr>
+          <p:cNvPr id="3" name="矩形 2">
+            <a:extLst>
+              <a:ext uri="{FF2B5EF4-FFF2-40B4-BE49-F238E27FC236}">
+                <a16:creationId xmlns:a16="http://schemas.microsoft.com/office/drawing/2014/main" id="{3AF4C28D-1A25-0A46-D5B7-73DB7F34D1ED}"/>
+              </a:ext>
+            </a:extLst>
+          </p:cNvPr>
+          <p:cNvSpPr/>
+          <p:nvPr/>
+        </p:nvSpPr>
+        <p:spPr>
+          <a:xfrm>
+            <a:off x="350196" y="1690688"/>
+            <a:ext cx="1459149" cy="361848"/>
+          </a:xfrm>
+          <a:prstGeom prst="rect">
+            <a:avLst/>
+          </a:prstGeom>
+          <a:solidFill>
+            <a:schemeClr val="bg1"/>
+          </a:solidFill>
+          <a:ln>
+            <a:solidFill>
+              <a:schemeClr val="tx1"/>
+            </a:solidFill>
+          </a:ln>
+        </p:spPr>
+        <p:style>
+          <a:lnRef idx="2">
+            <a:schemeClr val="accent1">
+              <a:shade val="15000"/>
+            </a:schemeClr>
+          </a:lnRef>
+          <a:fillRef idx="1">
+            <a:schemeClr val="accent1"/>
+          </a:fillRef>
+          <a:effectRef idx="0">
+            <a:schemeClr val="accent1"/>
+          </a:effectRef>
+          <a:fontRef idx="minor">
+            <a:schemeClr val="lt1"/>
+          </a:fontRef>
+        </p:style>
+        <p:txBody>
+          <a:bodyPr rtlCol="0" anchor="ctr"/>
+          <a:lstStyle/>
+          <a:p>
+            <a:pPr algn="ctr"/>
+            <a:r>
+              <a:rPr lang="zh-CN" altLang="en-US" dirty="0">
+                <a:solidFill>
+                  <a:schemeClr val="tx1"/>
+                </a:solidFill>
+              </a:rPr>
+              <a:t>研究课题</a:t>
+            </a:r>
+          </a:p>
+        </p:txBody>
+      </p:sp>
+      <p:sp>
+        <p:nvSpPr>
+          <p:cNvPr id="4" name="矩形 3">
+            <a:extLst>
+              <a:ext uri="{FF2B5EF4-FFF2-40B4-BE49-F238E27FC236}">
+                <a16:creationId xmlns:a16="http://schemas.microsoft.com/office/drawing/2014/main" id="{EA8878B7-8530-19CE-B293-80CABBEE1476}"/>
+              </a:ext>
+            </a:extLst>
+          </p:cNvPr>
+          <p:cNvSpPr/>
+          <p:nvPr/>
+        </p:nvSpPr>
+        <p:spPr>
+          <a:xfrm>
+            <a:off x="350195" y="2620053"/>
+            <a:ext cx="1459149" cy="361848"/>
+          </a:xfrm>
+          <a:prstGeom prst="rect">
+            <a:avLst/>
+          </a:prstGeom>
+          <a:solidFill>
+            <a:schemeClr val="bg1"/>
+          </a:solidFill>
+          <a:ln>
+            <a:solidFill>
+              <a:schemeClr val="tx1"/>
+            </a:solidFill>
+          </a:ln>
+        </p:spPr>
+        <p:style>
+          <a:lnRef idx="2">
+            <a:schemeClr val="accent1">
+              <a:shade val="15000"/>
+            </a:schemeClr>
+          </a:lnRef>
+          <a:fillRef idx="1">
+            <a:schemeClr val="accent1"/>
+          </a:fillRef>
+          <a:effectRef idx="0">
+            <a:schemeClr val="accent1"/>
+          </a:effectRef>
+          <a:fontRef idx="minor">
+            <a:schemeClr val="lt1"/>
+          </a:fontRef>
+        </p:style>
+        <p:txBody>
+          <a:bodyPr rtlCol="0" anchor="ctr"/>
+          <a:lstStyle/>
+          <a:p>
+            <a:pPr algn="ctr"/>
+            <a:r>
+              <a:rPr lang="zh-CN" altLang="en-US" dirty="0">
+                <a:solidFill>
+                  <a:schemeClr val="tx1"/>
+                </a:solidFill>
+              </a:rPr>
+              <a:t>关键问题</a:t>
+            </a:r>
+          </a:p>
+        </p:txBody>
+      </p:sp>
+      <p:sp>
+        <p:nvSpPr>
+          <p:cNvPr id="5" name="矩形 4">
+            <a:extLst>
+              <a:ext uri="{FF2B5EF4-FFF2-40B4-BE49-F238E27FC236}">
+                <a16:creationId xmlns:a16="http://schemas.microsoft.com/office/drawing/2014/main" id="{0B7428C6-9974-8707-189E-B2E6DE7B06CD}"/>
+              </a:ext>
+            </a:extLst>
+          </p:cNvPr>
+          <p:cNvSpPr/>
+          <p:nvPr/>
+        </p:nvSpPr>
+        <p:spPr>
+          <a:xfrm>
+            <a:off x="350195" y="3514252"/>
+            <a:ext cx="1459149" cy="361848"/>
+          </a:xfrm>
+          <a:prstGeom prst="rect">
+            <a:avLst/>
+          </a:prstGeom>
+          <a:solidFill>
+            <a:schemeClr val="bg1"/>
+          </a:solidFill>
+          <a:ln>
+            <a:solidFill>
+              <a:schemeClr val="tx1"/>
+            </a:solidFill>
+          </a:ln>
+        </p:spPr>
+        <p:style>
+          <a:lnRef idx="2">
+            <a:schemeClr val="accent1">
+              <a:shade val="15000"/>
+            </a:schemeClr>
+          </a:lnRef>
+          <a:fillRef idx="1">
+            <a:schemeClr val="accent1"/>
+          </a:fillRef>
+          <a:effectRef idx="0">
+            <a:schemeClr val="accent1"/>
+          </a:effectRef>
+          <a:fontRef idx="minor">
+            <a:schemeClr val="lt1"/>
+          </a:fontRef>
+        </p:style>
+        <p:txBody>
+          <a:bodyPr rtlCol="0" anchor="ctr"/>
+          <a:lstStyle/>
+          <a:p>
+            <a:pPr algn="ctr"/>
+            <a:r>
+              <a:rPr lang="zh-CN" altLang="en-US" dirty="0">
+                <a:solidFill>
+                  <a:schemeClr val="tx1"/>
+                </a:solidFill>
+              </a:rPr>
+              <a:t>研究内容</a:t>
+            </a:r>
+          </a:p>
+        </p:txBody>
+      </p:sp>
+      <p:sp>
+        <p:nvSpPr>
+          <p:cNvPr id="6" name="矩形 5">
+            <a:extLst>
+              <a:ext uri="{FF2B5EF4-FFF2-40B4-BE49-F238E27FC236}">
+                <a16:creationId xmlns:a16="http://schemas.microsoft.com/office/drawing/2014/main" id="{E3C03ECB-10FE-7A36-BEA9-89C96BF22018}"/>
+              </a:ext>
+            </a:extLst>
+          </p:cNvPr>
+          <p:cNvSpPr/>
+          <p:nvPr/>
+        </p:nvSpPr>
+        <p:spPr>
+          <a:xfrm>
+            <a:off x="350194" y="4770299"/>
+            <a:ext cx="1459149" cy="361848"/>
+          </a:xfrm>
+          <a:prstGeom prst="rect">
+            <a:avLst/>
+          </a:prstGeom>
+          <a:solidFill>
+            <a:schemeClr val="bg1"/>
+          </a:solidFill>
+          <a:ln>
+            <a:solidFill>
+              <a:schemeClr val="tx1"/>
+            </a:solidFill>
+          </a:ln>
+        </p:spPr>
+        <p:style>
+          <a:lnRef idx="2">
+            <a:schemeClr val="accent1">
+              <a:shade val="15000"/>
+            </a:schemeClr>
+          </a:lnRef>
+          <a:fillRef idx="1">
+            <a:schemeClr val="accent1"/>
+          </a:fillRef>
+          <a:effectRef idx="0">
+            <a:schemeClr val="accent1"/>
+          </a:effectRef>
+          <a:fontRef idx="minor">
+            <a:schemeClr val="lt1"/>
+          </a:fontRef>
+        </p:style>
+        <p:txBody>
+          <a:bodyPr rtlCol="0" anchor="ctr"/>
+          <a:lstStyle/>
+          <a:p>
+            <a:pPr algn="ctr"/>
+            <a:r>
+              <a:rPr lang="zh-CN" altLang="en-US" dirty="0">
+                <a:solidFill>
+                  <a:schemeClr val="tx1"/>
+                </a:solidFill>
+              </a:rPr>
+              <a:t>研究贡献点</a:t>
+            </a:r>
+          </a:p>
+        </p:txBody>
+      </p:sp>
+      <p:sp>
+        <p:nvSpPr>
+          <p:cNvPr id="7" name="矩形 6">
+            <a:extLst>
+              <a:ext uri="{FF2B5EF4-FFF2-40B4-BE49-F238E27FC236}">
+                <a16:creationId xmlns:a16="http://schemas.microsoft.com/office/drawing/2014/main" id="{149E09B6-1EE1-C692-DC07-FB74AFE0A6FB}"/>
+              </a:ext>
+            </a:extLst>
+          </p:cNvPr>
+          <p:cNvSpPr/>
+          <p:nvPr/>
+        </p:nvSpPr>
+        <p:spPr>
+          <a:xfrm>
+            <a:off x="350193" y="6232015"/>
+            <a:ext cx="1459149" cy="361848"/>
+          </a:xfrm>
+          <a:prstGeom prst="rect">
+            <a:avLst/>
+          </a:prstGeom>
+          <a:solidFill>
+            <a:schemeClr val="bg1"/>
+          </a:solidFill>
+          <a:ln>
+            <a:solidFill>
+              <a:schemeClr val="tx1"/>
+            </a:solidFill>
+          </a:ln>
+        </p:spPr>
+        <p:style>
+          <a:lnRef idx="2">
+            <a:schemeClr val="accent1">
+              <a:shade val="15000"/>
+            </a:schemeClr>
+          </a:lnRef>
+          <a:fillRef idx="1">
+            <a:schemeClr val="accent1"/>
+          </a:fillRef>
+          <a:effectRef idx="0">
+            <a:schemeClr val="accent1"/>
+          </a:effectRef>
+          <a:fontRef idx="minor">
+            <a:schemeClr val="lt1"/>
+          </a:fontRef>
+        </p:style>
+        <p:txBody>
+          <a:bodyPr rtlCol="0" anchor="ctr"/>
+          <a:lstStyle/>
+          <a:p>
+            <a:pPr algn="ctr"/>
+            <a:r>
+              <a:rPr lang="zh-CN" altLang="en-US" dirty="0">
+                <a:solidFill>
+                  <a:schemeClr val="tx1"/>
+                </a:solidFill>
+              </a:rPr>
+              <a:t>算法应用</a:t>
+            </a:r>
+          </a:p>
+        </p:txBody>
+      </p:sp>
+      <p:sp>
+        <p:nvSpPr>
+          <p:cNvPr id="8" name="矩形: 圆角 7">
+            <a:extLst>
+              <a:ext uri="{FF2B5EF4-FFF2-40B4-BE49-F238E27FC236}">
+                <a16:creationId xmlns:a16="http://schemas.microsoft.com/office/drawing/2014/main" id="{54C2FF38-66AC-3A0F-CB90-3909052A59A3}"/>
+              </a:ext>
+            </a:extLst>
+          </p:cNvPr>
+          <p:cNvSpPr/>
+          <p:nvPr/>
+        </p:nvSpPr>
+        <p:spPr>
+          <a:xfrm>
+            <a:off x="2198451" y="1690688"/>
+            <a:ext cx="9824937" cy="361848"/>
+          </a:xfrm>
+          <a:prstGeom prst="roundRect">
+            <a:avLst/>
+          </a:prstGeom>
+          <a:solidFill>
+            <a:schemeClr val="accent1">
+              <a:lumMod val="40000"/>
+              <a:lumOff val="60000"/>
+            </a:schemeClr>
+          </a:solidFill>
+          <a:ln>
+            <a:solidFill>
+              <a:schemeClr val="accent1"/>
+            </a:solidFill>
+          </a:ln>
+        </p:spPr>
+        <p:style>
+          <a:lnRef idx="2">
+            <a:schemeClr val="accent1">
+              <a:shade val="15000"/>
+            </a:schemeClr>
+          </a:lnRef>
+          <a:fillRef idx="1">
+            <a:schemeClr val="accent1"/>
+          </a:fillRef>
+          <a:effectRef idx="0">
+            <a:schemeClr val="accent1"/>
+          </a:effectRef>
+          <a:fontRef idx="minor">
+            <a:schemeClr val="lt1"/>
+          </a:fontRef>
+        </p:style>
+        <p:txBody>
+          <a:bodyPr rtlCol="0" anchor="ctr"/>
+          <a:lstStyle/>
+          <a:p>
+            <a:pPr algn="ctr"/>
+            <a:r>
+              <a:rPr lang="zh-CN" altLang="en-US" dirty="0">
+                <a:solidFill>
+                  <a:schemeClr val="tx1"/>
+                </a:solidFill>
+              </a:rPr>
+              <a:t>基于运动匹配的实时角色交互动画生成</a:t>
+            </a:r>
+          </a:p>
+        </p:txBody>
+      </p:sp>
+      <p:sp>
+        <p:nvSpPr>
+          <p:cNvPr id="9" name="矩形: 圆角 8">
+            <a:extLst>
+              <a:ext uri="{FF2B5EF4-FFF2-40B4-BE49-F238E27FC236}">
+                <a16:creationId xmlns:a16="http://schemas.microsoft.com/office/drawing/2014/main" id="{1C27C0B5-78E4-7CAE-E48A-082632608357}"/>
+              </a:ext>
+            </a:extLst>
+          </p:cNvPr>
+          <p:cNvSpPr/>
+          <p:nvPr/>
+        </p:nvSpPr>
+        <p:spPr>
+          <a:xfrm>
+            <a:off x="2198451" y="2314594"/>
+            <a:ext cx="3180945" cy="701657"/>
+          </a:xfrm>
+          <a:prstGeom prst="roundRect">
+            <a:avLst/>
+          </a:prstGeom>
+          <a:solidFill>
+            <a:schemeClr val="bg1"/>
+          </a:solidFill>
+          <a:ln w="19050"/>
+        </p:spPr>
+        <p:style>
+          <a:lnRef idx="2">
+            <a:schemeClr val="accent1">
+              <a:shade val="15000"/>
+            </a:schemeClr>
+          </a:lnRef>
+          <a:fillRef idx="1">
+            <a:schemeClr val="accent1"/>
+          </a:fillRef>
+          <a:effectRef idx="0">
+            <a:schemeClr val="accent1"/>
+          </a:effectRef>
+          <a:fontRef idx="minor">
+            <a:schemeClr val="lt1"/>
+          </a:fontRef>
+        </p:style>
+        <p:txBody>
+          <a:bodyPr rtlCol="0" anchor="ctr"/>
+          <a:lstStyle/>
+          <a:p>
+            <a:pPr algn="ctr"/>
+            <a:r>
+              <a:rPr lang="zh-CN" altLang="en-US" sz="1400" dirty="0">
+                <a:solidFill>
+                  <a:schemeClr val="tx1"/>
+                </a:solidFill>
+              </a:rPr>
+              <a:t>运动匹配不能很好的处理</a:t>
+            </a:r>
+            <a:r>
+              <a:rPr lang="zh-CN" altLang="en-US" sz="1400" b="1" dirty="0">
+                <a:solidFill>
+                  <a:srgbClr val="FF0000"/>
+                </a:solidFill>
+              </a:rPr>
+              <a:t>长距离轨迹跟随</a:t>
+            </a:r>
+            <a:r>
+              <a:rPr lang="zh-CN" altLang="en-US" sz="1400" dirty="0">
+                <a:solidFill>
+                  <a:schemeClr val="tx1"/>
+                </a:solidFill>
+              </a:rPr>
+              <a:t>，匹配效果差，实时效率低</a:t>
+            </a:r>
+          </a:p>
+        </p:txBody>
+      </p:sp>
+      <p:sp>
+        <p:nvSpPr>
+          <p:cNvPr id="10" name="矩形: 圆角 9">
+            <a:extLst>
+              <a:ext uri="{FF2B5EF4-FFF2-40B4-BE49-F238E27FC236}">
+                <a16:creationId xmlns:a16="http://schemas.microsoft.com/office/drawing/2014/main" id="{E88C04C6-C710-FC3D-C0CD-74DDC62FB2FA}"/>
+              </a:ext>
+            </a:extLst>
+          </p:cNvPr>
+          <p:cNvSpPr/>
+          <p:nvPr/>
+        </p:nvSpPr>
+        <p:spPr>
+          <a:xfrm>
+            <a:off x="5520447" y="2314594"/>
+            <a:ext cx="3180945" cy="701657"/>
+          </a:xfrm>
+          <a:prstGeom prst="roundRect">
+            <a:avLst/>
+          </a:prstGeom>
+          <a:solidFill>
+            <a:schemeClr val="bg1"/>
+          </a:solidFill>
+          <a:ln w="19050"/>
+        </p:spPr>
+        <p:style>
+          <a:lnRef idx="2">
+            <a:schemeClr val="accent1">
+              <a:shade val="15000"/>
+            </a:schemeClr>
+          </a:lnRef>
+          <a:fillRef idx="1">
+            <a:schemeClr val="accent1"/>
+          </a:fillRef>
+          <a:effectRef idx="0">
+            <a:schemeClr val="accent1"/>
+          </a:effectRef>
+          <a:fontRef idx="minor">
+            <a:schemeClr val="lt1"/>
+          </a:fontRef>
+        </p:style>
+        <p:txBody>
+          <a:bodyPr rtlCol="0" anchor="ctr"/>
+          <a:lstStyle/>
+          <a:p>
+            <a:pPr algn="ctr"/>
+            <a:r>
+              <a:rPr lang="zh-CN" altLang="en-US" sz="1400" dirty="0">
+                <a:solidFill>
+                  <a:schemeClr val="tx1"/>
+                </a:solidFill>
+              </a:rPr>
+              <a:t>角色与场景交互动画效果</a:t>
+            </a:r>
+            <a:r>
+              <a:rPr lang="zh-CN" altLang="en-US" sz="1400" b="1" dirty="0">
+                <a:solidFill>
+                  <a:srgbClr val="FF0000"/>
+                </a:solidFill>
+              </a:rPr>
+              <a:t>真实感不佳</a:t>
+            </a:r>
+            <a:r>
+              <a:rPr lang="zh-CN" altLang="en-US" sz="1400" dirty="0">
+                <a:solidFill>
+                  <a:schemeClr val="tx1"/>
+                </a:solidFill>
+              </a:rPr>
+              <a:t>，动捕数据浪费，且实现方式</a:t>
+            </a:r>
+            <a:r>
+              <a:rPr lang="zh-CN" altLang="en-US" sz="1400" b="1" dirty="0">
+                <a:solidFill>
+                  <a:srgbClr val="FF0000"/>
+                </a:solidFill>
+              </a:rPr>
+              <a:t>复杂低效</a:t>
+            </a:r>
+          </a:p>
+        </p:txBody>
+      </p:sp>
+      <p:sp>
+        <p:nvSpPr>
+          <p:cNvPr id="11" name="矩形: 圆角 10">
+            <a:extLst>
+              <a:ext uri="{FF2B5EF4-FFF2-40B4-BE49-F238E27FC236}">
+                <a16:creationId xmlns:a16="http://schemas.microsoft.com/office/drawing/2014/main" id="{1D9752B4-B354-1D75-EACA-161D0ACC68A9}"/>
+              </a:ext>
+            </a:extLst>
+          </p:cNvPr>
+          <p:cNvSpPr/>
+          <p:nvPr/>
+        </p:nvSpPr>
+        <p:spPr>
+          <a:xfrm>
+            <a:off x="8842444" y="2314594"/>
+            <a:ext cx="3180945" cy="701657"/>
+          </a:xfrm>
+          <a:prstGeom prst="roundRect">
+            <a:avLst/>
+          </a:prstGeom>
+          <a:solidFill>
+            <a:schemeClr val="bg1"/>
+          </a:solidFill>
+          <a:ln w="19050"/>
+        </p:spPr>
+        <p:style>
+          <a:lnRef idx="2">
+            <a:schemeClr val="accent1">
+              <a:shade val="15000"/>
+            </a:schemeClr>
+          </a:lnRef>
+          <a:fillRef idx="1">
+            <a:schemeClr val="accent1"/>
+          </a:fillRef>
+          <a:effectRef idx="0">
+            <a:schemeClr val="accent1"/>
+          </a:effectRef>
+          <a:fontRef idx="minor">
+            <a:schemeClr val="lt1"/>
+          </a:fontRef>
+        </p:style>
+        <p:txBody>
+          <a:bodyPr rtlCol="0" anchor="ctr"/>
+          <a:lstStyle/>
+          <a:p>
+            <a:pPr algn="ctr"/>
+            <a:r>
+              <a:rPr lang="zh-CN" altLang="en-US" sz="1400" dirty="0">
+                <a:solidFill>
+                  <a:schemeClr val="tx1"/>
+                </a:solidFill>
+              </a:rPr>
+              <a:t>多角色之间互动动画效果实现困难</a:t>
+            </a:r>
+            <a:r>
+              <a:rPr lang="en-US" altLang="zh-CN" sz="1400" dirty="0">
+                <a:solidFill>
+                  <a:schemeClr val="tx1"/>
+                </a:solidFill>
+              </a:rPr>
+              <a:t>/</a:t>
+            </a:r>
+            <a:r>
+              <a:rPr lang="zh-CN" altLang="en-US" sz="1400" dirty="0">
+                <a:solidFill>
+                  <a:schemeClr val="tx1"/>
+                </a:solidFill>
+              </a:rPr>
+              <a:t>动作匹配算法搜索性能不佳</a:t>
+            </a:r>
+          </a:p>
+        </p:txBody>
+      </p:sp>
+      <p:sp>
+        <p:nvSpPr>
+          <p:cNvPr id="12" name="矩形: 圆角 11">
+            <a:extLst>
+              <a:ext uri="{FF2B5EF4-FFF2-40B4-BE49-F238E27FC236}">
+                <a16:creationId xmlns:a16="http://schemas.microsoft.com/office/drawing/2014/main" id="{7220D69D-2457-751A-264A-6479122D0ED7}"/>
+              </a:ext>
+            </a:extLst>
+          </p:cNvPr>
+          <p:cNvSpPr/>
+          <p:nvPr/>
+        </p:nvSpPr>
+        <p:spPr>
+          <a:xfrm>
+            <a:off x="2198451" y="3156983"/>
+            <a:ext cx="3180945" cy="967546"/>
+          </a:xfrm>
+          <a:prstGeom prst="roundRect">
+            <a:avLst/>
+          </a:prstGeom>
+          <a:solidFill>
+            <a:schemeClr val="bg1"/>
+          </a:solidFill>
+          <a:ln w="19050"/>
+        </p:spPr>
+        <p:style>
+          <a:lnRef idx="2">
+            <a:schemeClr val="accent1">
+              <a:shade val="15000"/>
+            </a:schemeClr>
+          </a:lnRef>
+          <a:fillRef idx="1">
+            <a:schemeClr val="accent1"/>
+          </a:fillRef>
+          <a:effectRef idx="0">
+            <a:schemeClr val="accent1"/>
+          </a:effectRef>
+          <a:fontRef idx="minor">
+            <a:schemeClr val="lt1"/>
+          </a:fontRef>
+        </p:style>
+        <p:txBody>
+          <a:bodyPr rtlCol="0" anchor="ctr"/>
+          <a:lstStyle/>
+          <a:p>
+            <a:pPr algn="ctr"/>
+            <a:r>
+              <a:rPr lang="zh-CN" altLang="en-US" b="1" dirty="0">
+                <a:solidFill>
+                  <a:srgbClr val="FF0000"/>
+                </a:solidFill>
+              </a:rPr>
+              <a:t>研究内容一</a:t>
+            </a:r>
+            <a:endParaRPr lang="en-US" altLang="zh-CN" b="1" dirty="0">
+              <a:solidFill>
+                <a:srgbClr val="FF0000"/>
+              </a:solidFill>
+            </a:endParaRPr>
+          </a:p>
+          <a:p>
+            <a:pPr algn="ctr"/>
+            <a:endParaRPr lang="en-US" altLang="zh-CN" sz="1400" b="1" dirty="0">
+              <a:solidFill>
+                <a:schemeClr val="tx1"/>
+              </a:solidFill>
+            </a:endParaRPr>
+          </a:p>
+          <a:p>
+            <a:pPr algn="ctr"/>
+            <a:r>
+              <a:rPr lang="zh-CN" altLang="en-US" sz="1400" b="1" dirty="0">
+                <a:solidFill>
+                  <a:schemeClr val="tx1"/>
+                </a:solidFill>
+              </a:rPr>
+              <a:t>基于运动匹配的长距离轨迹跟随实现</a:t>
+            </a:r>
+          </a:p>
+        </p:txBody>
+      </p:sp>
+      <p:sp>
+        <p:nvSpPr>
+          <p:cNvPr id="13" name="矩形: 圆角 12">
+            <a:extLst>
+              <a:ext uri="{FF2B5EF4-FFF2-40B4-BE49-F238E27FC236}">
+                <a16:creationId xmlns:a16="http://schemas.microsoft.com/office/drawing/2014/main" id="{5177F019-77FC-213F-8FFA-250C4D032C6A}"/>
+              </a:ext>
+            </a:extLst>
+          </p:cNvPr>
+          <p:cNvSpPr/>
+          <p:nvPr/>
+        </p:nvSpPr>
+        <p:spPr>
+          <a:xfrm>
+            <a:off x="5520447" y="3169312"/>
+            <a:ext cx="3180945" cy="967546"/>
+          </a:xfrm>
+          <a:prstGeom prst="roundRect">
+            <a:avLst/>
+          </a:prstGeom>
+          <a:solidFill>
+            <a:schemeClr val="bg1"/>
+          </a:solidFill>
+          <a:ln w="19050"/>
+        </p:spPr>
+        <p:style>
+          <a:lnRef idx="2">
+            <a:schemeClr val="accent1">
+              <a:shade val="15000"/>
+            </a:schemeClr>
+          </a:lnRef>
+          <a:fillRef idx="1">
+            <a:schemeClr val="accent1"/>
+          </a:fillRef>
+          <a:effectRef idx="0">
+            <a:schemeClr val="accent1"/>
+          </a:effectRef>
+          <a:fontRef idx="minor">
+            <a:schemeClr val="lt1"/>
+          </a:fontRef>
+        </p:style>
+        <p:txBody>
+          <a:bodyPr rtlCol="0" anchor="ctr"/>
+          <a:lstStyle/>
+          <a:p>
+            <a:pPr algn="ctr"/>
+            <a:r>
+              <a:rPr lang="zh-CN" altLang="en-US" b="1" dirty="0">
+                <a:solidFill>
+                  <a:schemeClr val="accent1"/>
+                </a:solidFill>
+              </a:rPr>
+              <a:t>研究内容二</a:t>
+            </a:r>
+            <a:endParaRPr lang="en-US" altLang="zh-CN" b="1" dirty="0">
+              <a:solidFill>
+                <a:schemeClr val="accent1"/>
+              </a:solidFill>
+            </a:endParaRPr>
+          </a:p>
+          <a:p>
+            <a:pPr algn="ctr"/>
+            <a:endParaRPr lang="en-US" altLang="zh-CN" sz="1400" b="1" dirty="0">
+              <a:solidFill>
+                <a:schemeClr val="tx1"/>
+              </a:solidFill>
+            </a:endParaRPr>
+          </a:p>
+          <a:p>
+            <a:pPr algn="ctr"/>
+            <a:r>
+              <a:rPr lang="zh-CN" altLang="en-US" sz="1400" b="1" dirty="0">
+                <a:solidFill>
+                  <a:schemeClr val="tx1"/>
+                </a:solidFill>
+              </a:rPr>
+              <a:t>基于运动匹配的角色与场景实时交互</a:t>
+            </a:r>
+          </a:p>
+        </p:txBody>
+      </p:sp>
+      <p:sp>
+        <p:nvSpPr>
+          <p:cNvPr id="14" name="矩形: 圆角 13">
+            <a:extLst>
+              <a:ext uri="{FF2B5EF4-FFF2-40B4-BE49-F238E27FC236}">
+                <a16:creationId xmlns:a16="http://schemas.microsoft.com/office/drawing/2014/main" id="{3332A8CA-CBE3-855A-CCE7-1BB43F6D4C33}"/>
+              </a:ext>
+            </a:extLst>
+          </p:cNvPr>
+          <p:cNvSpPr/>
+          <p:nvPr/>
+        </p:nvSpPr>
+        <p:spPr>
+          <a:xfrm>
+            <a:off x="8842443" y="3181640"/>
+            <a:ext cx="3180945" cy="967547"/>
+          </a:xfrm>
+          <a:prstGeom prst="roundRect">
+            <a:avLst/>
+          </a:prstGeom>
+          <a:solidFill>
+            <a:schemeClr val="bg1"/>
+          </a:solidFill>
+          <a:ln w="19050"/>
+        </p:spPr>
+        <p:style>
+          <a:lnRef idx="2">
+            <a:schemeClr val="accent1">
+              <a:shade val="15000"/>
+            </a:schemeClr>
+          </a:lnRef>
+          <a:fillRef idx="1">
+            <a:schemeClr val="accent1"/>
+          </a:fillRef>
+          <a:effectRef idx="0">
+            <a:schemeClr val="accent1"/>
+          </a:effectRef>
+          <a:fontRef idx="minor">
+            <a:schemeClr val="lt1"/>
+          </a:fontRef>
+        </p:style>
+        <p:txBody>
+          <a:bodyPr rtlCol="0" anchor="ctr"/>
+          <a:lstStyle/>
+          <a:p>
+            <a:pPr algn="ctr"/>
+            <a:r>
+              <a:rPr lang="zh-CN" altLang="en-US" b="1" dirty="0">
+                <a:solidFill>
+                  <a:schemeClr val="accent4">
+                    <a:lumMod val="75000"/>
+                  </a:schemeClr>
+                </a:solidFill>
+              </a:rPr>
+              <a:t>研究内容三</a:t>
+            </a:r>
+            <a:endParaRPr lang="en-US" altLang="zh-CN" b="1" dirty="0">
+              <a:solidFill>
+                <a:schemeClr val="accent4">
+                  <a:lumMod val="75000"/>
+                </a:schemeClr>
+              </a:solidFill>
+            </a:endParaRPr>
+          </a:p>
+          <a:p>
+            <a:pPr algn="ctr"/>
+            <a:endParaRPr lang="en-US" altLang="zh-CN" sz="1400" b="1" dirty="0">
+              <a:solidFill>
+                <a:schemeClr val="tx1"/>
+              </a:solidFill>
+            </a:endParaRPr>
+          </a:p>
+          <a:p>
+            <a:pPr algn="ctr"/>
+            <a:r>
+              <a:rPr lang="zh-CN" altLang="en-US" sz="1400" b="1" dirty="0">
+                <a:solidFill>
+                  <a:schemeClr val="tx1"/>
+                </a:solidFill>
+              </a:rPr>
+              <a:t>多角色交互</a:t>
+            </a:r>
+            <a:r>
+              <a:rPr lang="en-US" altLang="zh-CN" sz="1400" b="1" dirty="0">
+                <a:solidFill>
+                  <a:schemeClr val="tx1"/>
+                </a:solidFill>
+              </a:rPr>
+              <a:t>/</a:t>
+            </a:r>
+            <a:r>
+              <a:rPr lang="zh-CN" altLang="en-US" sz="1400" b="1" dirty="0">
+                <a:solidFill>
+                  <a:schemeClr val="tx1"/>
+                </a:solidFill>
+              </a:rPr>
+              <a:t>运动匹配搜索性能优化</a:t>
+            </a:r>
+          </a:p>
+        </p:txBody>
+      </p:sp>
+      <p:sp>
+        <p:nvSpPr>
+          <p:cNvPr id="15" name="矩形: 圆角 14">
+            <a:extLst>
+              <a:ext uri="{FF2B5EF4-FFF2-40B4-BE49-F238E27FC236}">
+                <a16:creationId xmlns:a16="http://schemas.microsoft.com/office/drawing/2014/main" id="{4355ACF9-DD0B-5A26-B252-C5272C75C3DE}"/>
+              </a:ext>
+            </a:extLst>
+          </p:cNvPr>
+          <p:cNvSpPr/>
+          <p:nvPr/>
+        </p:nvSpPr>
+        <p:spPr>
+          <a:xfrm>
+            <a:off x="2198450" y="4316187"/>
+            <a:ext cx="3180945" cy="1654863"/>
+          </a:xfrm>
+          <a:prstGeom prst="roundRect">
+            <a:avLst/>
+          </a:prstGeom>
+          <a:solidFill>
+            <a:schemeClr val="accent2">
+              <a:lumMod val="40000"/>
+              <a:lumOff val="60000"/>
+            </a:schemeClr>
+          </a:solidFill>
+          <a:ln w="19050"/>
+        </p:spPr>
+        <p:style>
+          <a:lnRef idx="2">
+            <a:schemeClr val="accent1">
+              <a:shade val="15000"/>
+            </a:schemeClr>
+          </a:lnRef>
+          <a:fillRef idx="1">
+            <a:schemeClr val="accent1"/>
+          </a:fillRef>
+          <a:effectRef idx="0">
+            <a:schemeClr val="accent1"/>
+          </a:effectRef>
+          <a:fontRef idx="minor">
+            <a:schemeClr val="lt1"/>
+          </a:fontRef>
+        </p:style>
+        <p:txBody>
+          <a:bodyPr rtlCol="0" anchor="t"/>
+          <a:lstStyle/>
+          <a:p>
+            <a:pPr algn="ctr"/>
+            <a:r>
+              <a:rPr lang="zh-CN" altLang="en-US" sz="1400" b="1" dirty="0">
+                <a:solidFill>
+                  <a:schemeClr val="tx1"/>
+                </a:solidFill>
+              </a:rPr>
+              <a:t>研究贡献点一</a:t>
+            </a:r>
+            <a:endParaRPr lang="en-US" altLang="zh-CN" sz="1400" b="1" dirty="0">
+              <a:solidFill>
+                <a:schemeClr val="tx1"/>
+              </a:solidFill>
+            </a:endParaRPr>
+          </a:p>
+          <a:p>
+            <a:pPr algn="ctr"/>
+            <a:r>
+              <a:rPr lang="zh-CN" altLang="en-US" sz="1400" dirty="0">
+                <a:solidFill>
+                  <a:schemeClr val="tx1"/>
+                </a:solidFill>
+              </a:rPr>
+              <a:t>对长距离轨迹进行动态采样，并在不改变数据集采样率的基础上基于动态时间规整进行轨迹特征匹配</a:t>
+            </a:r>
+          </a:p>
+        </p:txBody>
+      </p:sp>
+      <p:sp>
+        <p:nvSpPr>
+          <p:cNvPr id="16" name="矩形: 圆角 15">
+            <a:extLst>
+              <a:ext uri="{FF2B5EF4-FFF2-40B4-BE49-F238E27FC236}">
+                <a16:creationId xmlns:a16="http://schemas.microsoft.com/office/drawing/2014/main" id="{8B8AFAE8-5317-C8B3-1FE7-B995C9A6C7D9}"/>
+              </a:ext>
+            </a:extLst>
+          </p:cNvPr>
+          <p:cNvSpPr/>
+          <p:nvPr/>
+        </p:nvSpPr>
+        <p:spPr>
+          <a:xfrm>
+            <a:off x="2198451" y="6138050"/>
+            <a:ext cx="9824937" cy="603218"/>
+          </a:xfrm>
+          <a:prstGeom prst="roundRect">
+            <a:avLst/>
+          </a:prstGeom>
+          <a:solidFill>
+            <a:schemeClr val="tx2">
+              <a:lumMod val="20000"/>
+              <a:lumOff val="80000"/>
+            </a:schemeClr>
+          </a:solidFill>
+          <a:ln>
+            <a:solidFill>
+              <a:schemeClr val="accent1"/>
+            </a:solidFill>
+          </a:ln>
+        </p:spPr>
+        <p:style>
+          <a:lnRef idx="2">
+            <a:schemeClr val="accent1">
+              <a:shade val="15000"/>
+            </a:schemeClr>
+          </a:lnRef>
+          <a:fillRef idx="1">
+            <a:schemeClr val="accent1"/>
+          </a:fillRef>
+          <a:effectRef idx="0">
+            <a:schemeClr val="accent1"/>
+          </a:effectRef>
+          <a:fontRef idx="minor">
+            <a:schemeClr val="lt1"/>
+          </a:fontRef>
+        </p:style>
+        <p:txBody>
+          <a:bodyPr rtlCol="0" anchor="ctr"/>
+          <a:lstStyle/>
+          <a:p>
+            <a:pPr algn="ctr"/>
+            <a:r>
+              <a:rPr lang="zh-CN" altLang="en-US" dirty="0">
+                <a:solidFill>
+                  <a:schemeClr val="tx1"/>
+                </a:solidFill>
+              </a:rPr>
+              <a:t>基于运动匹配的实时角色交互动画生成</a:t>
+            </a:r>
+          </a:p>
+        </p:txBody>
+      </p:sp>
+      <p:sp>
+        <p:nvSpPr>
+          <p:cNvPr id="17" name="矩形: 圆角 16">
+            <a:extLst>
+              <a:ext uri="{FF2B5EF4-FFF2-40B4-BE49-F238E27FC236}">
+                <a16:creationId xmlns:a16="http://schemas.microsoft.com/office/drawing/2014/main" id="{B483CF5F-2A80-5D53-B898-822E43226A28}"/>
+              </a:ext>
+            </a:extLst>
+          </p:cNvPr>
+          <p:cNvSpPr/>
+          <p:nvPr/>
+        </p:nvSpPr>
+        <p:spPr>
+          <a:xfrm>
+            <a:off x="5520447" y="4316187"/>
+            <a:ext cx="3180945" cy="1654863"/>
+          </a:xfrm>
+          <a:prstGeom prst="roundRect">
+            <a:avLst/>
+          </a:prstGeom>
+          <a:solidFill>
+            <a:schemeClr val="accent5">
+              <a:lumMod val="20000"/>
+              <a:lumOff val="80000"/>
+            </a:schemeClr>
+          </a:solidFill>
+          <a:ln w="19050"/>
+        </p:spPr>
+        <p:style>
+          <a:lnRef idx="2">
+            <a:schemeClr val="accent1">
+              <a:shade val="15000"/>
+            </a:schemeClr>
+          </a:lnRef>
+          <a:fillRef idx="1">
+            <a:schemeClr val="accent1"/>
+          </a:fillRef>
+          <a:effectRef idx="0">
+            <a:schemeClr val="accent1"/>
+          </a:effectRef>
+          <a:fontRef idx="minor">
+            <a:schemeClr val="lt1"/>
+          </a:fontRef>
+        </p:style>
+        <p:txBody>
+          <a:bodyPr rtlCol="0" anchor="t"/>
+          <a:lstStyle/>
+          <a:p>
+            <a:pPr algn="ctr"/>
+            <a:r>
+              <a:rPr lang="zh-CN" altLang="en-US" sz="1400" b="1" dirty="0">
+                <a:solidFill>
+                  <a:schemeClr val="tx1"/>
+                </a:solidFill>
+              </a:rPr>
+              <a:t>研究贡献点二</a:t>
+            </a:r>
+            <a:endParaRPr lang="en-US" altLang="zh-CN" sz="1400" b="1" dirty="0">
+              <a:solidFill>
+                <a:schemeClr val="tx1"/>
+              </a:solidFill>
+            </a:endParaRPr>
+          </a:p>
+          <a:p>
+            <a:pPr algn="ctr"/>
+            <a:r>
+              <a:rPr lang="zh-CN" altLang="en-US" sz="1400" dirty="0">
+                <a:solidFill>
+                  <a:schemeClr val="tx1"/>
+                </a:solidFill>
+              </a:rPr>
+              <a:t>提取动画数据集中的交互特征，与实时采集的场景特征进行匹配，并且动态生成交互轨迹</a:t>
+            </a:r>
+          </a:p>
+        </p:txBody>
+      </p:sp>
+      <p:sp>
+        <p:nvSpPr>
+          <p:cNvPr id="18" name="矩形: 圆角 17">
+            <a:extLst>
+              <a:ext uri="{FF2B5EF4-FFF2-40B4-BE49-F238E27FC236}">
+                <a16:creationId xmlns:a16="http://schemas.microsoft.com/office/drawing/2014/main" id="{FAED6DFB-4DBD-49A1-7F4C-6F5174F162AE}"/>
+              </a:ext>
+            </a:extLst>
+          </p:cNvPr>
+          <p:cNvSpPr/>
+          <p:nvPr/>
+        </p:nvSpPr>
+        <p:spPr>
+          <a:xfrm>
+            <a:off x="8842442" y="4337397"/>
+            <a:ext cx="3180945" cy="1654863"/>
+          </a:xfrm>
+          <a:prstGeom prst="roundRect">
+            <a:avLst/>
+          </a:prstGeom>
+          <a:solidFill>
+            <a:schemeClr val="accent4">
+              <a:lumMod val="20000"/>
+              <a:lumOff val="80000"/>
+            </a:schemeClr>
+          </a:solidFill>
+          <a:ln w="19050"/>
+        </p:spPr>
+        <p:style>
+          <a:lnRef idx="2">
+            <a:schemeClr val="accent1">
+              <a:shade val="15000"/>
+            </a:schemeClr>
+          </a:lnRef>
+          <a:fillRef idx="1">
+            <a:schemeClr val="accent1"/>
+          </a:fillRef>
+          <a:effectRef idx="0">
+            <a:schemeClr val="accent1"/>
+          </a:effectRef>
+          <a:fontRef idx="minor">
+            <a:schemeClr val="lt1"/>
+          </a:fontRef>
+        </p:style>
+        <p:txBody>
+          <a:bodyPr rtlCol="0" anchor="t"/>
+          <a:lstStyle/>
+          <a:p>
+            <a:pPr algn="ctr"/>
+            <a:r>
+              <a:rPr lang="zh-CN" altLang="en-US" sz="1400" b="1" dirty="0">
+                <a:solidFill>
+                  <a:schemeClr val="tx1"/>
+                </a:solidFill>
+              </a:rPr>
+              <a:t>研究贡献点三</a:t>
+            </a:r>
+            <a:endParaRPr lang="en-US" altLang="zh-CN" sz="1400" b="1" dirty="0">
+              <a:solidFill>
+                <a:schemeClr val="tx1"/>
+              </a:solidFill>
+            </a:endParaRPr>
+          </a:p>
+          <a:p>
+            <a:pPr algn="ctr"/>
+            <a:r>
+              <a:rPr lang="zh-CN" altLang="en-US" sz="1400" dirty="0">
+                <a:solidFill>
+                  <a:schemeClr val="tx1"/>
+                </a:solidFill>
+              </a:rPr>
+              <a:t>基于聚类思想对数据集进行预处理并实时采用加速结构，在保证匹配准确度的情况下减少匹配次数</a:t>
+            </a:r>
+            <a:endParaRPr lang="en-US" altLang="zh-CN" sz="1400" dirty="0">
+              <a:solidFill>
+                <a:schemeClr val="tx1"/>
+              </a:solidFill>
+            </a:endParaRPr>
+          </a:p>
+        </p:txBody>
+      </p:sp>
+      <p:sp>
+        <p:nvSpPr>
+          <p:cNvPr id="19" name="箭头: 下 18">
+            <a:extLst>
+              <a:ext uri="{FF2B5EF4-FFF2-40B4-BE49-F238E27FC236}">
+                <a16:creationId xmlns:a16="http://schemas.microsoft.com/office/drawing/2014/main" id="{7AFBB182-110B-31D2-811F-DC9316CE49C7}"/>
+              </a:ext>
+            </a:extLst>
+          </p:cNvPr>
+          <p:cNvSpPr/>
+          <p:nvPr/>
+        </p:nvSpPr>
+        <p:spPr>
+          <a:xfrm>
+            <a:off x="3647872" y="3016251"/>
+            <a:ext cx="223737" cy="140732"/>
+          </a:xfrm>
+          <a:prstGeom prst="downArrow">
+            <a:avLst/>
+          </a:prstGeom>
+          <a:solidFill>
+            <a:schemeClr val="bg2"/>
+          </a:solidFill>
+        </p:spPr>
+        <p:style>
+          <a:lnRef idx="2">
+            <a:schemeClr val="accent1">
+              <a:shade val="15000"/>
+            </a:schemeClr>
+          </a:lnRef>
+          <a:fillRef idx="1">
+            <a:schemeClr val="accent1"/>
+          </a:fillRef>
+          <a:effectRef idx="0">
+            <a:schemeClr val="accent1"/>
+          </a:effectRef>
+          <a:fontRef idx="minor">
+            <a:schemeClr val="lt1"/>
+          </a:fontRef>
+        </p:style>
+        <p:txBody>
+          <a:bodyPr rtlCol="0" anchor="ctr"/>
+          <a:lstStyle/>
+          <a:p>
+            <a:pPr algn="ctr"/>
+            <a:endParaRPr lang="zh-CN" altLang="en-US"/>
+          </a:p>
+        </p:txBody>
+      </p:sp>
+      <p:sp>
+        <p:nvSpPr>
+          <p:cNvPr id="20" name="箭头: 下 19">
+            <a:extLst>
+              <a:ext uri="{FF2B5EF4-FFF2-40B4-BE49-F238E27FC236}">
+                <a16:creationId xmlns:a16="http://schemas.microsoft.com/office/drawing/2014/main" id="{7CF0949A-1CE5-090D-9A55-AE5C7FFD83AA}"/>
+              </a:ext>
+            </a:extLst>
+          </p:cNvPr>
+          <p:cNvSpPr/>
+          <p:nvPr/>
+        </p:nvSpPr>
+        <p:spPr>
+          <a:xfrm>
+            <a:off x="3630037" y="4150797"/>
+            <a:ext cx="223737" cy="140732"/>
+          </a:xfrm>
+          <a:prstGeom prst="downArrow">
+            <a:avLst/>
+          </a:prstGeom>
+          <a:solidFill>
+            <a:schemeClr val="bg2"/>
+          </a:solidFill>
+        </p:spPr>
+        <p:style>
+          <a:lnRef idx="2">
+            <a:schemeClr val="accent1">
+              <a:shade val="15000"/>
+            </a:schemeClr>
+          </a:lnRef>
+          <a:fillRef idx="1">
+            <a:schemeClr val="accent1"/>
+          </a:fillRef>
+          <a:effectRef idx="0">
+            <a:schemeClr val="accent1"/>
+          </a:effectRef>
+          <a:fontRef idx="minor">
+            <a:schemeClr val="lt1"/>
+          </a:fontRef>
+        </p:style>
+        <p:txBody>
+          <a:bodyPr rtlCol="0" anchor="ctr"/>
+          <a:lstStyle/>
+          <a:p>
+            <a:pPr algn="ctr"/>
+            <a:endParaRPr lang="zh-CN" altLang="en-US"/>
+          </a:p>
+        </p:txBody>
+      </p:sp>
+      <p:sp>
+        <p:nvSpPr>
+          <p:cNvPr id="21" name="箭头: 下 20">
+            <a:extLst>
+              <a:ext uri="{FF2B5EF4-FFF2-40B4-BE49-F238E27FC236}">
+                <a16:creationId xmlns:a16="http://schemas.microsoft.com/office/drawing/2014/main" id="{6EFA2BEF-3244-D794-D851-815CDB76D1E2}"/>
+              </a:ext>
+            </a:extLst>
+          </p:cNvPr>
+          <p:cNvSpPr/>
+          <p:nvPr/>
+        </p:nvSpPr>
+        <p:spPr>
+          <a:xfrm>
+            <a:off x="3647871" y="5984989"/>
+            <a:ext cx="223737" cy="140732"/>
+          </a:xfrm>
+          <a:prstGeom prst="downArrow">
+            <a:avLst/>
+          </a:prstGeom>
+          <a:solidFill>
+            <a:schemeClr val="bg2"/>
+          </a:solidFill>
+        </p:spPr>
+        <p:style>
+          <a:lnRef idx="2">
+            <a:schemeClr val="accent1">
+              <a:shade val="15000"/>
+            </a:schemeClr>
+          </a:lnRef>
+          <a:fillRef idx="1">
+            <a:schemeClr val="accent1"/>
+          </a:fillRef>
+          <a:effectRef idx="0">
+            <a:schemeClr val="accent1"/>
+          </a:effectRef>
+          <a:fontRef idx="minor">
+            <a:schemeClr val="lt1"/>
+          </a:fontRef>
+        </p:style>
+        <p:txBody>
+          <a:bodyPr rtlCol="0" anchor="ctr"/>
+          <a:lstStyle/>
+          <a:p>
+            <a:pPr algn="ctr"/>
+            <a:endParaRPr lang="zh-CN" altLang="en-US"/>
+          </a:p>
+        </p:txBody>
+      </p:sp>
+      <p:sp>
+        <p:nvSpPr>
+          <p:cNvPr id="22" name="箭头: 下 21">
+            <a:extLst>
+              <a:ext uri="{FF2B5EF4-FFF2-40B4-BE49-F238E27FC236}">
+                <a16:creationId xmlns:a16="http://schemas.microsoft.com/office/drawing/2014/main" id="{4E8EA3DE-CDA6-1EB0-F13F-1F9103C539D4}"/>
+              </a:ext>
+            </a:extLst>
+          </p:cNvPr>
+          <p:cNvSpPr/>
+          <p:nvPr/>
+        </p:nvSpPr>
+        <p:spPr>
+          <a:xfrm>
+            <a:off x="6999050" y="5992260"/>
+            <a:ext cx="223737" cy="140732"/>
+          </a:xfrm>
+          <a:prstGeom prst="downArrow">
+            <a:avLst/>
+          </a:prstGeom>
+          <a:solidFill>
+            <a:schemeClr val="bg2"/>
+          </a:solidFill>
+        </p:spPr>
+        <p:style>
+          <a:lnRef idx="2">
+            <a:schemeClr val="accent1">
+              <a:shade val="15000"/>
+            </a:schemeClr>
+          </a:lnRef>
+          <a:fillRef idx="1">
+            <a:schemeClr val="accent1"/>
+          </a:fillRef>
+          <a:effectRef idx="0">
+            <a:schemeClr val="accent1"/>
+          </a:effectRef>
+          <a:fontRef idx="minor">
+            <a:schemeClr val="lt1"/>
+          </a:fontRef>
+        </p:style>
+        <p:txBody>
+          <a:bodyPr rtlCol="0" anchor="ctr"/>
+          <a:lstStyle/>
+          <a:p>
+            <a:pPr algn="ctr"/>
+            <a:endParaRPr lang="zh-CN" altLang="en-US"/>
+          </a:p>
+        </p:txBody>
+      </p:sp>
+      <p:sp>
+        <p:nvSpPr>
+          <p:cNvPr id="23" name="箭头: 下 22">
+            <a:extLst>
+              <a:ext uri="{FF2B5EF4-FFF2-40B4-BE49-F238E27FC236}">
+                <a16:creationId xmlns:a16="http://schemas.microsoft.com/office/drawing/2014/main" id="{4C9A6894-8B5E-9D5D-6104-8D09F6707A3F}"/>
+              </a:ext>
+            </a:extLst>
+          </p:cNvPr>
+          <p:cNvSpPr/>
+          <p:nvPr/>
+        </p:nvSpPr>
+        <p:spPr>
+          <a:xfrm>
+            <a:off x="10350229" y="5999531"/>
+            <a:ext cx="223737" cy="140732"/>
+          </a:xfrm>
+          <a:prstGeom prst="downArrow">
+            <a:avLst/>
+          </a:prstGeom>
+          <a:solidFill>
+            <a:schemeClr val="bg2"/>
+          </a:solidFill>
+        </p:spPr>
+        <p:style>
+          <a:lnRef idx="2">
+            <a:schemeClr val="accent1">
+              <a:shade val="15000"/>
+            </a:schemeClr>
+          </a:lnRef>
+          <a:fillRef idx="1">
+            <a:schemeClr val="accent1"/>
+          </a:fillRef>
+          <a:effectRef idx="0">
+            <a:schemeClr val="accent1"/>
+          </a:effectRef>
+          <a:fontRef idx="minor">
+            <a:schemeClr val="lt1"/>
+          </a:fontRef>
+        </p:style>
+        <p:txBody>
+          <a:bodyPr rtlCol="0" anchor="ctr"/>
+          <a:lstStyle/>
+          <a:p>
+            <a:pPr algn="ctr"/>
+            <a:endParaRPr lang="zh-CN" altLang="en-US"/>
+          </a:p>
+        </p:txBody>
+      </p:sp>
+      <p:sp>
+        <p:nvSpPr>
+          <p:cNvPr id="24" name="箭头: 下 23">
+            <a:extLst>
+              <a:ext uri="{FF2B5EF4-FFF2-40B4-BE49-F238E27FC236}">
+                <a16:creationId xmlns:a16="http://schemas.microsoft.com/office/drawing/2014/main" id="{A7AB5CBB-B601-B744-AEA2-445161FC63DB}"/>
+              </a:ext>
+            </a:extLst>
+          </p:cNvPr>
+          <p:cNvSpPr/>
+          <p:nvPr/>
+        </p:nvSpPr>
+        <p:spPr>
+          <a:xfrm>
+            <a:off x="6999050" y="3028580"/>
+            <a:ext cx="223737" cy="140732"/>
+          </a:xfrm>
+          <a:prstGeom prst="downArrow">
+            <a:avLst/>
+          </a:prstGeom>
+          <a:solidFill>
+            <a:schemeClr val="bg2"/>
+          </a:solidFill>
+        </p:spPr>
+        <p:style>
+          <a:lnRef idx="2">
+            <a:schemeClr val="accent1">
+              <a:shade val="15000"/>
+            </a:schemeClr>
+          </a:lnRef>
+          <a:fillRef idx="1">
+            <a:schemeClr val="accent1"/>
+          </a:fillRef>
+          <a:effectRef idx="0">
+            <a:schemeClr val="accent1"/>
+          </a:effectRef>
+          <a:fontRef idx="minor">
+            <a:schemeClr val="lt1"/>
+          </a:fontRef>
+        </p:style>
+        <p:txBody>
+          <a:bodyPr rtlCol="0" anchor="ctr"/>
+          <a:lstStyle/>
+          <a:p>
+            <a:pPr algn="ctr"/>
+            <a:endParaRPr lang="zh-CN" altLang="en-US"/>
+          </a:p>
+        </p:txBody>
+      </p:sp>
+      <p:sp>
+        <p:nvSpPr>
+          <p:cNvPr id="25" name="箭头: 下 24">
+            <a:extLst>
+              <a:ext uri="{FF2B5EF4-FFF2-40B4-BE49-F238E27FC236}">
+                <a16:creationId xmlns:a16="http://schemas.microsoft.com/office/drawing/2014/main" id="{C39FD7DA-BDA9-C05A-C099-56CED45EC72F}"/>
+              </a:ext>
+            </a:extLst>
+          </p:cNvPr>
+          <p:cNvSpPr/>
+          <p:nvPr/>
+        </p:nvSpPr>
+        <p:spPr>
+          <a:xfrm>
+            <a:off x="7003912" y="4154528"/>
+            <a:ext cx="223737" cy="140732"/>
+          </a:xfrm>
+          <a:prstGeom prst="downArrow">
+            <a:avLst/>
+          </a:prstGeom>
+          <a:solidFill>
+            <a:schemeClr val="bg2"/>
+          </a:solidFill>
+        </p:spPr>
+        <p:style>
+          <a:lnRef idx="2">
+            <a:schemeClr val="accent1">
+              <a:shade val="15000"/>
+            </a:schemeClr>
+          </a:lnRef>
+          <a:fillRef idx="1">
+            <a:schemeClr val="accent1"/>
+          </a:fillRef>
+          <a:effectRef idx="0">
+            <a:schemeClr val="accent1"/>
+          </a:effectRef>
+          <a:fontRef idx="minor">
+            <a:schemeClr val="lt1"/>
+          </a:fontRef>
+        </p:style>
+        <p:txBody>
+          <a:bodyPr rtlCol="0" anchor="ctr"/>
+          <a:lstStyle/>
+          <a:p>
+            <a:pPr algn="ctr"/>
+            <a:endParaRPr lang="zh-CN" altLang="en-US"/>
+          </a:p>
+        </p:txBody>
+      </p:sp>
+      <p:sp>
+        <p:nvSpPr>
+          <p:cNvPr id="26" name="箭头: 下 25">
+            <a:extLst>
+              <a:ext uri="{FF2B5EF4-FFF2-40B4-BE49-F238E27FC236}">
+                <a16:creationId xmlns:a16="http://schemas.microsoft.com/office/drawing/2014/main" id="{67CAB220-B9AC-7A89-69C1-86E56A288E87}"/>
+              </a:ext>
+            </a:extLst>
+          </p:cNvPr>
+          <p:cNvSpPr/>
+          <p:nvPr/>
+        </p:nvSpPr>
+        <p:spPr>
+          <a:xfrm>
+            <a:off x="10350229" y="3011834"/>
+            <a:ext cx="223737" cy="140732"/>
+          </a:xfrm>
+          <a:prstGeom prst="downArrow">
+            <a:avLst/>
+          </a:prstGeom>
+          <a:solidFill>
+            <a:schemeClr val="bg2"/>
+          </a:solidFill>
+        </p:spPr>
+        <p:style>
+          <a:lnRef idx="2">
+            <a:schemeClr val="accent1">
+              <a:shade val="15000"/>
+            </a:schemeClr>
+          </a:lnRef>
+          <a:fillRef idx="1">
+            <a:schemeClr val="accent1"/>
+          </a:fillRef>
+          <a:effectRef idx="0">
+            <a:schemeClr val="accent1"/>
+          </a:effectRef>
+          <a:fontRef idx="minor">
+            <a:schemeClr val="lt1"/>
+          </a:fontRef>
+        </p:style>
+        <p:txBody>
+          <a:bodyPr rtlCol="0" anchor="ctr"/>
+          <a:lstStyle/>
+          <a:p>
+            <a:pPr algn="ctr"/>
+            <a:endParaRPr lang="zh-CN" altLang="en-US"/>
+          </a:p>
+        </p:txBody>
+      </p:sp>
+      <p:sp>
+        <p:nvSpPr>
+          <p:cNvPr id="27" name="箭头: 下 26">
+            <a:extLst>
+              <a:ext uri="{FF2B5EF4-FFF2-40B4-BE49-F238E27FC236}">
+                <a16:creationId xmlns:a16="http://schemas.microsoft.com/office/drawing/2014/main" id="{2242F7FE-F618-1834-D74D-901F6959758D}"/>
+              </a:ext>
+            </a:extLst>
+          </p:cNvPr>
+          <p:cNvSpPr/>
+          <p:nvPr/>
+        </p:nvSpPr>
+        <p:spPr>
+          <a:xfrm>
+            <a:off x="10350229" y="4141178"/>
+            <a:ext cx="223737" cy="140732"/>
+          </a:xfrm>
+          <a:prstGeom prst="downArrow">
+            <a:avLst/>
+          </a:prstGeom>
+          <a:solidFill>
+            <a:schemeClr val="bg2"/>
+          </a:solidFill>
+        </p:spPr>
+        <p:style>
+          <a:lnRef idx="2">
+            <a:schemeClr val="accent1">
+              <a:shade val="15000"/>
+            </a:schemeClr>
+          </a:lnRef>
+          <a:fillRef idx="1">
+            <a:schemeClr val="accent1"/>
+          </a:fillRef>
+          <a:effectRef idx="0">
+            <a:schemeClr val="accent1"/>
+          </a:effectRef>
+          <a:fontRef idx="minor">
+            <a:schemeClr val="lt1"/>
+          </a:fontRef>
+        </p:style>
+        <p:txBody>
+          <a:bodyPr rtlCol="0" anchor="ctr"/>
+          <a:lstStyle/>
+          <a:p>
+            <a:pPr algn="ctr"/>
+            <a:endParaRPr lang="zh-CN" altLang="en-US"/>
+          </a:p>
+        </p:txBody>
+      </p:sp>
+      <p:sp>
+        <p:nvSpPr>
+          <p:cNvPr id="28" name="矩形: 圆角 27">
+            <a:extLst>
+              <a:ext uri="{FF2B5EF4-FFF2-40B4-BE49-F238E27FC236}">
+                <a16:creationId xmlns:a16="http://schemas.microsoft.com/office/drawing/2014/main" id="{2F1CD48E-6F21-99DE-DCB5-97B181C042A1}"/>
+              </a:ext>
+            </a:extLst>
+          </p:cNvPr>
+          <p:cNvSpPr/>
+          <p:nvPr/>
+        </p:nvSpPr>
+        <p:spPr>
+          <a:xfrm>
+            <a:off x="2394524" y="5339138"/>
+            <a:ext cx="1276146" cy="587498"/>
+          </a:xfrm>
+          <a:prstGeom prst="roundRect">
+            <a:avLst/>
+          </a:prstGeom>
+          <a:solidFill>
+            <a:schemeClr val="accent2">
+              <a:lumMod val="60000"/>
+              <a:lumOff val="40000"/>
+            </a:schemeClr>
+          </a:solidFill>
+          <a:ln>
+            <a:prstDash val="sysDash"/>
+          </a:ln>
+        </p:spPr>
+        <p:style>
+          <a:lnRef idx="2">
+            <a:schemeClr val="accent1">
+              <a:shade val="15000"/>
+            </a:schemeClr>
+          </a:lnRef>
+          <a:fillRef idx="1">
+            <a:schemeClr val="accent1"/>
+          </a:fillRef>
+          <a:effectRef idx="0">
+            <a:schemeClr val="accent1"/>
+          </a:effectRef>
+          <a:fontRef idx="minor">
+            <a:schemeClr val="lt1"/>
+          </a:fontRef>
+        </p:style>
+        <p:txBody>
+          <a:bodyPr rtlCol="0" anchor="ctr"/>
+          <a:lstStyle/>
+          <a:p>
+            <a:pPr algn="ctr"/>
+            <a:r>
+              <a:rPr lang="zh-CN" altLang="en-US" sz="1400" dirty="0">
+                <a:solidFill>
+                  <a:schemeClr val="tx1"/>
+                </a:solidFill>
+              </a:rPr>
+              <a:t>动态采样</a:t>
+            </a:r>
+          </a:p>
+        </p:txBody>
+      </p:sp>
+      <p:sp>
+        <p:nvSpPr>
+          <p:cNvPr id="29" name="矩形: 圆角 28">
+            <a:extLst>
+              <a:ext uri="{FF2B5EF4-FFF2-40B4-BE49-F238E27FC236}">
+                <a16:creationId xmlns:a16="http://schemas.microsoft.com/office/drawing/2014/main" id="{57BE8B38-6183-7C22-14F0-B375B8272C10}"/>
+              </a:ext>
+            </a:extLst>
+          </p:cNvPr>
+          <p:cNvSpPr/>
+          <p:nvPr/>
+        </p:nvSpPr>
+        <p:spPr>
+          <a:xfrm>
+            <a:off x="3910720" y="5339138"/>
+            <a:ext cx="1251424" cy="587498"/>
+          </a:xfrm>
+          <a:prstGeom prst="roundRect">
+            <a:avLst/>
+          </a:prstGeom>
+          <a:solidFill>
+            <a:schemeClr val="accent2">
+              <a:lumMod val="40000"/>
+              <a:lumOff val="60000"/>
+            </a:schemeClr>
+          </a:solidFill>
+          <a:ln>
+            <a:prstDash val="sysDash"/>
+          </a:ln>
+        </p:spPr>
+        <p:style>
+          <a:lnRef idx="2">
+            <a:schemeClr val="accent1">
+              <a:shade val="15000"/>
+            </a:schemeClr>
+          </a:lnRef>
+          <a:fillRef idx="1">
+            <a:schemeClr val="accent1"/>
+          </a:fillRef>
+          <a:effectRef idx="0">
+            <a:schemeClr val="accent1"/>
+          </a:effectRef>
+          <a:fontRef idx="minor">
+            <a:schemeClr val="lt1"/>
+          </a:fontRef>
+        </p:style>
+        <p:txBody>
+          <a:bodyPr rtlCol="0" anchor="ctr"/>
+          <a:lstStyle/>
+          <a:p>
+            <a:pPr algn="ctr"/>
+            <a:r>
+              <a:rPr lang="zh-CN" altLang="en-US" sz="1400" dirty="0">
+                <a:solidFill>
+                  <a:schemeClr val="tx1"/>
+                </a:solidFill>
+              </a:rPr>
+              <a:t>动态时间规整</a:t>
+            </a:r>
+          </a:p>
+        </p:txBody>
+      </p:sp>
+      <p:sp>
+        <p:nvSpPr>
+          <p:cNvPr id="31" name="加号 30">
+            <a:extLst>
+              <a:ext uri="{FF2B5EF4-FFF2-40B4-BE49-F238E27FC236}">
+                <a16:creationId xmlns:a16="http://schemas.microsoft.com/office/drawing/2014/main" id="{A3F00FFB-7E2F-65DA-46EA-48CFE05534E6}"/>
+              </a:ext>
+            </a:extLst>
+          </p:cNvPr>
+          <p:cNvSpPr/>
+          <p:nvPr/>
+        </p:nvSpPr>
+        <p:spPr>
+          <a:xfrm>
+            <a:off x="3652836" y="5510561"/>
+            <a:ext cx="293504" cy="280277"/>
+          </a:xfrm>
+          <a:prstGeom prst="mathPlus">
+            <a:avLst/>
+          </a:prstGeom>
+          <a:solidFill>
+            <a:schemeClr val="accent2">
+              <a:lumMod val="75000"/>
+            </a:schemeClr>
+          </a:solidFill>
+        </p:spPr>
+        <p:style>
+          <a:lnRef idx="2">
+            <a:schemeClr val="accent1">
+              <a:shade val="15000"/>
+            </a:schemeClr>
+          </a:lnRef>
+          <a:fillRef idx="1">
+            <a:schemeClr val="accent1"/>
+          </a:fillRef>
+          <a:effectRef idx="0">
+            <a:schemeClr val="accent1"/>
+          </a:effectRef>
+          <a:fontRef idx="minor">
+            <a:schemeClr val="lt1"/>
+          </a:fontRef>
+        </p:style>
+        <p:txBody>
+          <a:bodyPr rtlCol="0" anchor="ctr"/>
+          <a:lstStyle/>
+          <a:p>
+            <a:pPr algn="ctr"/>
+            <a:endParaRPr lang="zh-CN" altLang="en-US"/>
+          </a:p>
+        </p:txBody>
+      </p:sp>
+      <p:sp>
+        <p:nvSpPr>
+          <p:cNvPr id="32" name="矩形: 圆角 31">
+            <a:extLst>
+              <a:ext uri="{FF2B5EF4-FFF2-40B4-BE49-F238E27FC236}">
+                <a16:creationId xmlns:a16="http://schemas.microsoft.com/office/drawing/2014/main" id="{1E436786-0BAD-2C8B-6AEF-1C2D229BE18B}"/>
+              </a:ext>
+            </a:extLst>
+          </p:cNvPr>
+          <p:cNvSpPr/>
+          <p:nvPr/>
+        </p:nvSpPr>
+        <p:spPr>
+          <a:xfrm>
+            <a:off x="5706591" y="5339138"/>
+            <a:ext cx="1276146" cy="587498"/>
+          </a:xfrm>
+          <a:prstGeom prst="roundRect">
+            <a:avLst/>
+          </a:prstGeom>
+          <a:solidFill>
+            <a:schemeClr val="accent1">
+              <a:lumMod val="60000"/>
+              <a:lumOff val="40000"/>
+            </a:schemeClr>
+          </a:solidFill>
+          <a:ln>
+            <a:prstDash val="sysDash"/>
+          </a:ln>
+        </p:spPr>
+        <p:style>
+          <a:lnRef idx="2">
+            <a:schemeClr val="accent1">
+              <a:shade val="15000"/>
+            </a:schemeClr>
+          </a:lnRef>
+          <a:fillRef idx="1">
+            <a:schemeClr val="accent1"/>
+          </a:fillRef>
+          <a:effectRef idx="0">
+            <a:schemeClr val="accent1"/>
+          </a:effectRef>
+          <a:fontRef idx="minor">
+            <a:schemeClr val="lt1"/>
+          </a:fontRef>
+        </p:style>
+        <p:txBody>
+          <a:bodyPr rtlCol="0" anchor="ctr"/>
+          <a:lstStyle/>
+          <a:p>
+            <a:pPr algn="ctr"/>
+            <a:r>
+              <a:rPr lang="zh-CN" altLang="en-US" sz="1400" dirty="0">
+                <a:solidFill>
+                  <a:schemeClr val="tx1"/>
+                </a:solidFill>
+              </a:rPr>
+              <a:t>交互特征提取</a:t>
+            </a:r>
+          </a:p>
+        </p:txBody>
+      </p:sp>
+      <p:sp>
+        <p:nvSpPr>
+          <p:cNvPr id="33" name="矩形: 圆角 32">
+            <a:extLst>
+              <a:ext uri="{FF2B5EF4-FFF2-40B4-BE49-F238E27FC236}">
+                <a16:creationId xmlns:a16="http://schemas.microsoft.com/office/drawing/2014/main" id="{13EB161E-D78B-74DF-21DD-87E33EBF7939}"/>
+              </a:ext>
+            </a:extLst>
+          </p:cNvPr>
+          <p:cNvSpPr/>
+          <p:nvPr/>
+        </p:nvSpPr>
+        <p:spPr>
+          <a:xfrm>
+            <a:off x="7222787" y="5339138"/>
+            <a:ext cx="1251424" cy="587498"/>
+          </a:xfrm>
+          <a:prstGeom prst="roundRect">
+            <a:avLst/>
+          </a:prstGeom>
+          <a:solidFill>
+            <a:schemeClr val="accent1">
+              <a:lumMod val="40000"/>
+              <a:lumOff val="60000"/>
+            </a:schemeClr>
+          </a:solidFill>
+          <a:ln>
+            <a:prstDash val="sysDash"/>
+          </a:ln>
+        </p:spPr>
+        <p:style>
+          <a:lnRef idx="2">
+            <a:schemeClr val="accent1">
+              <a:shade val="15000"/>
+            </a:schemeClr>
+          </a:lnRef>
+          <a:fillRef idx="1">
+            <a:schemeClr val="accent1"/>
+          </a:fillRef>
+          <a:effectRef idx="0">
+            <a:schemeClr val="accent1"/>
+          </a:effectRef>
+          <a:fontRef idx="minor">
+            <a:schemeClr val="lt1"/>
+          </a:fontRef>
+        </p:style>
+        <p:txBody>
+          <a:bodyPr rtlCol="0" anchor="ctr"/>
+          <a:lstStyle/>
+          <a:p>
+            <a:pPr algn="ctr"/>
+            <a:r>
+              <a:rPr lang="zh-CN" altLang="en-US" sz="1400" dirty="0">
+                <a:solidFill>
+                  <a:schemeClr val="tx1"/>
+                </a:solidFill>
+              </a:rPr>
+              <a:t>场景信息</a:t>
+            </a:r>
+          </a:p>
+        </p:txBody>
+      </p:sp>
+      <p:sp>
+        <p:nvSpPr>
+          <p:cNvPr id="34" name="加号 33">
+            <a:extLst>
+              <a:ext uri="{FF2B5EF4-FFF2-40B4-BE49-F238E27FC236}">
+                <a16:creationId xmlns:a16="http://schemas.microsoft.com/office/drawing/2014/main" id="{E5138C48-431A-6C72-C5E6-0ADFC630C46A}"/>
+              </a:ext>
+            </a:extLst>
+          </p:cNvPr>
+          <p:cNvSpPr/>
+          <p:nvPr/>
+        </p:nvSpPr>
+        <p:spPr>
+          <a:xfrm>
+            <a:off x="6964903" y="5510561"/>
+            <a:ext cx="293504" cy="280277"/>
+          </a:xfrm>
+          <a:prstGeom prst="mathPlus">
+            <a:avLst/>
+          </a:prstGeom>
+        </p:spPr>
+        <p:style>
+          <a:lnRef idx="2">
+            <a:schemeClr val="accent1">
+              <a:shade val="15000"/>
+            </a:schemeClr>
+          </a:lnRef>
+          <a:fillRef idx="1">
+            <a:schemeClr val="accent1"/>
+          </a:fillRef>
+          <a:effectRef idx="0">
+            <a:schemeClr val="accent1"/>
+          </a:effectRef>
+          <a:fontRef idx="minor">
+            <a:schemeClr val="lt1"/>
+          </a:fontRef>
+        </p:style>
+        <p:txBody>
+          <a:bodyPr rtlCol="0" anchor="ctr"/>
+          <a:lstStyle/>
+          <a:p>
+            <a:pPr algn="ctr"/>
+            <a:endParaRPr lang="zh-CN" altLang="en-US"/>
+          </a:p>
+        </p:txBody>
+      </p:sp>
+      <p:sp>
+        <p:nvSpPr>
+          <p:cNvPr id="35" name="矩形: 圆角 34">
+            <a:extLst>
+              <a:ext uri="{FF2B5EF4-FFF2-40B4-BE49-F238E27FC236}">
+                <a16:creationId xmlns:a16="http://schemas.microsoft.com/office/drawing/2014/main" id="{3855992B-0504-C409-5C33-473D14B64CFB}"/>
+              </a:ext>
+            </a:extLst>
+          </p:cNvPr>
+          <p:cNvSpPr/>
+          <p:nvPr/>
+        </p:nvSpPr>
+        <p:spPr>
+          <a:xfrm>
+            <a:off x="9057770" y="5339138"/>
+            <a:ext cx="1276146" cy="587498"/>
+          </a:xfrm>
+          <a:prstGeom prst="roundRect">
+            <a:avLst/>
+          </a:prstGeom>
+          <a:solidFill>
+            <a:schemeClr val="accent4">
+              <a:lumMod val="60000"/>
+              <a:lumOff val="40000"/>
+            </a:schemeClr>
+          </a:solidFill>
+          <a:ln>
+            <a:prstDash val="sysDash"/>
+          </a:ln>
+        </p:spPr>
+        <p:style>
+          <a:lnRef idx="2">
+            <a:schemeClr val="accent1">
+              <a:shade val="15000"/>
+            </a:schemeClr>
+          </a:lnRef>
+          <a:fillRef idx="1">
+            <a:schemeClr val="accent1"/>
+          </a:fillRef>
+          <a:effectRef idx="0">
+            <a:schemeClr val="accent1"/>
+          </a:effectRef>
+          <a:fontRef idx="minor">
+            <a:schemeClr val="lt1"/>
+          </a:fontRef>
+        </p:style>
+        <p:txBody>
+          <a:bodyPr rtlCol="0" anchor="ctr"/>
+          <a:lstStyle/>
+          <a:p>
+            <a:pPr algn="ctr"/>
+            <a:r>
+              <a:rPr lang="zh-CN" altLang="en-US" sz="1400" dirty="0">
+                <a:solidFill>
+                  <a:schemeClr val="tx1"/>
+                </a:solidFill>
+              </a:rPr>
+              <a:t>预分类</a:t>
+            </a:r>
+          </a:p>
+        </p:txBody>
+      </p:sp>
+      <p:sp>
+        <p:nvSpPr>
+          <p:cNvPr id="36" name="矩形: 圆角 35">
+            <a:extLst>
+              <a:ext uri="{FF2B5EF4-FFF2-40B4-BE49-F238E27FC236}">
+                <a16:creationId xmlns:a16="http://schemas.microsoft.com/office/drawing/2014/main" id="{933D43F1-6B08-CA3F-D5AC-FF2E97C508D4}"/>
+              </a:ext>
+            </a:extLst>
+          </p:cNvPr>
+          <p:cNvSpPr/>
+          <p:nvPr/>
+        </p:nvSpPr>
+        <p:spPr>
+          <a:xfrm>
+            <a:off x="10573966" y="5339138"/>
+            <a:ext cx="1251424" cy="587498"/>
+          </a:xfrm>
+          <a:prstGeom prst="roundRect">
+            <a:avLst/>
+          </a:prstGeom>
+          <a:solidFill>
+            <a:schemeClr val="accent4">
+              <a:lumMod val="40000"/>
+              <a:lumOff val="60000"/>
+            </a:schemeClr>
+          </a:solidFill>
+          <a:ln>
+            <a:prstDash val="sysDash"/>
+          </a:ln>
+        </p:spPr>
+        <p:style>
+          <a:lnRef idx="2">
+            <a:schemeClr val="accent1">
+              <a:shade val="15000"/>
+            </a:schemeClr>
+          </a:lnRef>
+          <a:fillRef idx="1">
+            <a:schemeClr val="accent1"/>
+          </a:fillRef>
+          <a:effectRef idx="0">
+            <a:schemeClr val="accent1"/>
+          </a:effectRef>
+          <a:fontRef idx="minor">
+            <a:schemeClr val="lt1"/>
+          </a:fontRef>
+        </p:style>
+        <p:txBody>
+          <a:bodyPr rtlCol="0" anchor="ctr"/>
+          <a:lstStyle/>
+          <a:p>
+            <a:pPr algn="ctr"/>
+            <a:r>
+              <a:rPr lang="zh-CN" altLang="en-US" sz="1400" dirty="0">
+                <a:solidFill>
+                  <a:schemeClr val="tx1"/>
+                </a:solidFill>
+              </a:rPr>
+              <a:t>实时加速</a:t>
+            </a:r>
+          </a:p>
+        </p:txBody>
+      </p:sp>
+      <p:sp>
+        <p:nvSpPr>
+          <p:cNvPr id="37" name="加号 36">
+            <a:extLst>
+              <a:ext uri="{FF2B5EF4-FFF2-40B4-BE49-F238E27FC236}">
+                <a16:creationId xmlns:a16="http://schemas.microsoft.com/office/drawing/2014/main" id="{6FC840CE-40F6-6FC2-DFBE-F458C3DB58A6}"/>
+              </a:ext>
+            </a:extLst>
+          </p:cNvPr>
+          <p:cNvSpPr/>
+          <p:nvPr/>
+        </p:nvSpPr>
+        <p:spPr>
+          <a:xfrm>
+            <a:off x="10316082" y="5510561"/>
+            <a:ext cx="293504" cy="280277"/>
+          </a:xfrm>
+          <a:prstGeom prst="mathPlus">
+            <a:avLst/>
+          </a:prstGeom>
+          <a:solidFill>
+            <a:schemeClr val="accent4">
+              <a:lumMod val="75000"/>
+            </a:schemeClr>
+          </a:solidFill>
+        </p:spPr>
+        <p:style>
+          <a:lnRef idx="2">
+            <a:schemeClr val="accent1">
+              <a:shade val="15000"/>
+            </a:schemeClr>
+          </a:lnRef>
+          <a:fillRef idx="1">
+            <a:schemeClr val="accent1"/>
+          </a:fillRef>
+          <a:effectRef idx="0">
+            <a:schemeClr val="accent1"/>
+          </a:effectRef>
+          <a:fontRef idx="minor">
+            <a:schemeClr val="lt1"/>
+          </a:fontRef>
+        </p:style>
+        <p:txBody>
+          <a:bodyPr rtlCol="0" anchor="ctr"/>
+          <a:lstStyle/>
+          <a:p>
+            <a:pPr algn="ctr"/>
+            <a:endParaRPr lang="zh-CN" altLang="en-US"/>
+          </a:p>
+        </p:txBody>
+      </p:sp>
     </p:spTree>
     <p:extLst>
       <p:ext uri="{BB962C8B-B14F-4D97-AF65-F5344CB8AC3E}">
